--- a/GitMaterials/2-BasicGit.pptx
+++ b/GitMaterials/2-BasicGit.pptx
@@ -212,7 +212,7 @@
           <a:p>
             <a:fld id="{00AA08EA-A8C6-DA44-B46E-7B5B5AFC2FEE}" type="datetimeFigureOut">
               <a:rPr lang="en-US" smtClean="0"/>
-              <a:t>5/25/2017</a:t>
+              <a:t>5/26/2017</a:t>
             </a:fld>
             <a:endParaRPr lang="en-US"/>
           </a:p>
@@ -611,7 +611,7 @@
           <a:p>
             <a:fld id="{9526C932-9375-4F40-B803-EE9919890A75}" type="datetimeFigureOut">
               <a:rPr lang="en-US" smtClean="0"/>
-              <a:t>5/25/2017</a:t>
+              <a:t>5/26/2017</a:t>
             </a:fld>
             <a:endParaRPr lang="en-US"/>
           </a:p>
@@ -776,7 +776,7 @@
           <a:p>
             <a:fld id="{9526C932-9375-4F40-B803-EE9919890A75}" type="datetimeFigureOut">
               <a:rPr lang="en-US" smtClean="0"/>
-              <a:t>5/25/2017</a:t>
+              <a:t>5/26/2017</a:t>
             </a:fld>
             <a:endParaRPr lang="en-US"/>
           </a:p>
@@ -951,7 +951,7 @@
           <a:p>
             <a:fld id="{9526C932-9375-4F40-B803-EE9919890A75}" type="datetimeFigureOut">
               <a:rPr lang="en-US" smtClean="0"/>
-              <a:t>5/25/2017</a:t>
+              <a:t>5/26/2017</a:t>
             </a:fld>
             <a:endParaRPr lang="en-US"/>
           </a:p>
@@ -1116,7 +1116,7 @@
           <a:p>
             <a:fld id="{9526C932-9375-4F40-B803-EE9919890A75}" type="datetimeFigureOut">
               <a:rPr lang="en-US" smtClean="0"/>
-              <a:t>5/25/2017</a:t>
+              <a:t>5/26/2017</a:t>
             </a:fld>
             <a:endParaRPr lang="en-US"/>
           </a:p>
@@ -1355,7 +1355,7 @@
           <a:p>
             <a:fld id="{9526C932-9375-4F40-B803-EE9919890A75}" type="datetimeFigureOut">
               <a:rPr lang="en-US" smtClean="0"/>
-              <a:t>5/25/2017</a:t>
+              <a:t>5/26/2017</a:t>
             </a:fld>
             <a:endParaRPr lang="en-US"/>
           </a:p>
@@ -1582,7 +1582,7 @@
           <a:p>
             <a:fld id="{9526C932-9375-4F40-B803-EE9919890A75}" type="datetimeFigureOut">
               <a:rPr lang="en-US" smtClean="0"/>
-              <a:t>5/25/2017</a:t>
+              <a:t>5/26/2017</a:t>
             </a:fld>
             <a:endParaRPr lang="en-US"/>
           </a:p>
@@ -1944,7 +1944,7 @@
           <a:p>
             <a:fld id="{9526C932-9375-4F40-B803-EE9919890A75}" type="datetimeFigureOut">
               <a:rPr lang="en-US" smtClean="0"/>
-              <a:t>5/25/2017</a:t>
+              <a:t>5/26/2017</a:t>
             </a:fld>
             <a:endParaRPr lang="en-US"/>
           </a:p>
@@ -2057,7 +2057,7 @@
           <a:p>
             <a:fld id="{9526C932-9375-4F40-B803-EE9919890A75}" type="datetimeFigureOut">
               <a:rPr lang="en-US" smtClean="0"/>
-              <a:t>5/25/2017</a:t>
+              <a:t>5/26/2017</a:t>
             </a:fld>
             <a:endParaRPr lang="en-US"/>
           </a:p>
@@ -2147,7 +2147,7 @@
           <a:p>
             <a:fld id="{9526C932-9375-4F40-B803-EE9919890A75}" type="datetimeFigureOut">
               <a:rPr lang="en-US" smtClean="0"/>
-              <a:t>5/25/2017</a:t>
+              <a:t>5/26/2017</a:t>
             </a:fld>
             <a:endParaRPr lang="en-US"/>
           </a:p>
@@ -2419,7 +2419,7 @@
           <a:p>
             <a:fld id="{9526C932-9375-4F40-B803-EE9919890A75}" type="datetimeFigureOut">
               <a:rPr lang="en-US" smtClean="0"/>
-              <a:t>5/25/2017</a:t>
+              <a:t>5/26/2017</a:t>
             </a:fld>
             <a:endParaRPr lang="en-US"/>
           </a:p>
@@ -2671,7 +2671,7 @@
           <a:p>
             <a:fld id="{9526C932-9375-4F40-B803-EE9919890A75}" type="datetimeFigureOut">
               <a:rPr lang="en-US" smtClean="0"/>
-              <a:t>5/25/2017</a:t>
+              <a:t>5/26/2017</a:t>
             </a:fld>
             <a:endParaRPr lang="en-US"/>
           </a:p>
@@ -2879,7 +2879,7 @@
           <a:p>
             <a:fld id="{9526C932-9375-4F40-B803-EE9919890A75}" type="datetimeFigureOut">
               <a:rPr lang="en-US" smtClean="0"/>
-              <a:t>5/25/2017</a:t>
+              <a:t>5/26/2017</a:t>
             </a:fld>
             <a:endParaRPr lang="en-US"/>
           </a:p>
@@ -4549,7 +4549,11 @@
           <a:p>
             <a:r>
               <a:rPr lang="en-US" dirty="0" smtClean="0"/>
-              <a:t>You have successfully created a </a:t>
+              <a:t>You have successfully created </a:t>
+            </a:r>
+            <a:r>
+              <a:rPr lang="en-US" smtClean="0"/>
+              <a:t>a local </a:t>
             </a:r>
             <a:r>
               <a:rPr lang="en-US" dirty="0" err="1" smtClean="0"/>
